--- a/docs/Milestone 2.pptx
+++ b/docs/Milestone 2.pptx
@@ -1377,7 +1377,7 @@
             <a:fld id="{B61BEF0D-F0BB-DE4B-95CE-6DB70DBA9567}" type="datetimeFigureOut">
               <a:rPr lang="en-US" dirty="0"/>
               <a:pPr/>
-              <a:t>11/19/2023</a:t>
+              <a:t>11/20/2023</a:t>
             </a:fld>
             <a:endParaRPr lang="en-US" dirty="0"/>
           </a:p>
@@ -1636,7 +1636,7 @@
             <a:fld id="{B61BEF0D-F0BB-DE4B-95CE-6DB70DBA9567}" type="datetimeFigureOut">
               <a:rPr lang="en-US" dirty="0"/>
               <a:pPr/>
-              <a:t>11/19/2023</a:t>
+              <a:t>11/20/2023</a:t>
             </a:fld>
             <a:endParaRPr lang="en-US" dirty="0"/>
           </a:p>
@@ -1868,7 +1868,7 @@
             <a:fld id="{B61BEF0D-F0BB-DE4B-95CE-6DB70DBA9567}" type="datetimeFigureOut">
               <a:rPr lang="en-US" dirty="0"/>
               <a:pPr/>
-              <a:t>11/19/2023</a:t>
+              <a:t>11/20/2023</a:t>
             </a:fld>
             <a:endParaRPr lang="en-US" dirty="0"/>
           </a:p>
@@ -2105,7 +2105,7 @@
             <a:fld id="{B61BEF0D-F0BB-DE4B-95CE-6DB70DBA9567}" type="datetimeFigureOut">
               <a:rPr lang="en-US" dirty="0"/>
               <a:pPr/>
-              <a:t>11/19/2023</a:t>
+              <a:t>11/20/2023</a:t>
             </a:fld>
             <a:endParaRPr lang="en-US" dirty="0"/>
           </a:p>
@@ -2409,7 +2409,7 @@
             <a:fld id="{B61BEF0D-F0BB-DE4B-95CE-6DB70DBA9567}" type="datetimeFigureOut">
               <a:rPr lang="en-US" dirty="0"/>
               <a:pPr/>
-              <a:t>11/19/2023</a:t>
+              <a:t>11/20/2023</a:t>
             </a:fld>
             <a:endParaRPr lang="en-US" dirty="0"/>
           </a:p>
@@ -2708,7 +2708,7 @@
             <a:fld id="{B61BEF0D-F0BB-DE4B-95CE-6DB70DBA9567}" type="datetimeFigureOut">
               <a:rPr lang="en-US" dirty="0"/>
               <a:pPr/>
-              <a:t>11/19/2023</a:t>
+              <a:t>11/20/2023</a:t>
             </a:fld>
             <a:endParaRPr lang="en-US" dirty="0"/>
           </a:p>
@@ -3127,7 +3127,7 @@
             <a:fld id="{B61BEF0D-F0BB-DE4B-95CE-6DB70DBA9567}" type="datetimeFigureOut">
               <a:rPr lang="en-US" dirty="0"/>
               <a:pPr/>
-              <a:t>11/19/2023</a:t>
+              <a:t>11/20/2023</a:t>
             </a:fld>
             <a:endParaRPr lang="en-US" dirty="0"/>
           </a:p>
@@ -3286,7 +3286,7 @@
             <a:fld id="{B61BEF0D-F0BB-DE4B-95CE-6DB70DBA9567}" type="datetimeFigureOut">
               <a:rPr lang="en-US" dirty="0"/>
               <a:pPr/>
-              <a:t>11/19/2023</a:t>
+              <a:t>11/20/2023</a:t>
             </a:fld>
             <a:endParaRPr lang="en-US" dirty="0"/>
           </a:p>
@@ -3378,7 +3378,7 @@
             <a:fld id="{B61BEF0D-F0BB-DE4B-95CE-6DB70DBA9567}" type="datetimeFigureOut">
               <a:rPr lang="en-US" dirty="0"/>
               <a:pPr/>
-              <a:t>11/19/2023</a:t>
+              <a:t>11/20/2023</a:t>
             </a:fld>
             <a:endParaRPr lang="en-US" dirty="0"/>
           </a:p>
@@ -3753,7 +3753,7 @@
             <a:fld id="{B61BEF0D-F0BB-DE4B-95CE-6DB70DBA9567}" type="datetimeFigureOut">
               <a:rPr lang="en-US" dirty="0"/>
               <a:pPr/>
-              <a:t>11/19/2023</a:t>
+              <a:t>11/20/2023</a:t>
             </a:fld>
             <a:endParaRPr lang="en-US" dirty="0"/>
           </a:p>
@@ -4039,7 +4039,7 @@
             <a:fld id="{B61BEF0D-F0BB-DE4B-95CE-6DB70DBA9567}" type="datetimeFigureOut">
               <a:rPr lang="en-US" dirty="0"/>
               <a:pPr/>
-              <a:t>11/19/2023</a:t>
+              <a:t>11/20/2023</a:t>
             </a:fld>
             <a:endParaRPr lang="en-US" dirty="0"/>
           </a:p>
@@ -4247,7 +4247,7 @@
             <a:fld id="{B61BEF0D-F0BB-DE4B-95CE-6DB70DBA9567}" type="datetimeFigureOut">
               <a:rPr lang="en-US" dirty="0"/>
               <a:pPr/>
-              <a:t>11/19/2023</a:t>
+              <a:t>11/20/2023</a:t>
             </a:fld>
             <a:endParaRPr lang="en-US" dirty="0"/>
           </a:p>
@@ -5489,7 +5489,12 @@
             <p:ph idx="1"/>
           </p:nvPr>
         </p:nvSpPr>
-        <p:spPr/>
+        <p:spPr>
+          <a:xfrm>
+            <a:off x="581193" y="2385770"/>
+            <a:ext cx="11029615" cy="3678303"/>
+          </a:xfrm>
+        </p:spPr>
         <p:txBody>
           <a:bodyPr/>
           <a:lstStyle/>
@@ -5574,6 +5579,14 @@
               <a:rPr lang="en-US" sz="3200" dirty="0"/>
               <a:t>.</a:t>
             </a:r>
+            <a:endParaRPr lang="ro-RO" sz="3200" dirty="0"/>
+          </a:p>
+          <a:p>
+            <a:r>
+              <a:rPr lang="ro-RO" sz="3200" dirty="0"/>
+              <a:t>Adaugarea unui CLI pentru a folosi serviciile expuse</a:t>
+            </a:r>
+            <a:endParaRPr lang="en-US" sz="3200" dirty="0"/>
           </a:p>
           <a:p>
             <a:r>

--- a/docs/Milestone 2.pptx
+++ b/docs/Milestone 2.pptx
@@ -10,7 +10,8 @@
     <p:sldId id="261" r:id="rId4"/>
     <p:sldId id="258" r:id="rId5"/>
     <p:sldId id="259" r:id="rId6"/>
-    <p:sldId id="260" r:id="rId7"/>
+    <p:sldId id="262" r:id="rId7"/>
+    <p:sldId id="260" r:id="rId8"/>
   </p:sldIdLst>
   <p:sldSz cx="12192000" cy="6858000"/>
   <p:notesSz cx="6858000" cy="9144000"/>
@@ -5004,7 +5005,7 @@
         </p:nvSpPr>
         <p:spPr>
           <a:xfrm>
-            <a:off x="436227" y="813732"/>
+            <a:off x="436227" y="770716"/>
             <a:ext cx="11501307" cy="707886"/>
           </a:xfrm>
           <a:prstGeom prst="rect">
@@ -5053,7 +5054,7 @@
         <p:spPr>
           <a:xfrm>
             <a:off x="436227" y="1870745"/>
-            <a:ext cx="11568419" cy="3600986"/>
+            <a:ext cx="11568419" cy="4216539"/>
           </a:xfrm>
           <a:prstGeom prst="rect">
             <a:avLst/>
@@ -5155,6 +5156,16 @@
             <a:r>
               <a:rPr lang="en-US" sz="4000" dirty="0"/>
               <a:t>  </a:t>
+            </a:r>
+          </a:p>
+          <a:p>
+            <a:pPr marL="742950" lvl="1" indent="-285750">
+              <a:buFont typeface="Arial" panose="020B0604020202020204" pitchFamily="34" charset="0"/>
+              <a:buChar char="•"/>
+            </a:pPr>
+            <a:r>
+              <a:rPr lang="en-US" sz="4000" dirty="0"/>
+              <a:t>DP: Singleton, Observer</a:t>
             </a:r>
           </a:p>
           <a:p>
@@ -5727,6 +5738,235 @@
 </file>
 
 <file path=ppt/slides/slide6.xml><?xml version="1.0" encoding="utf-8"?>
+<p:sld xmlns:a="http://schemas.openxmlformats.org/drawingml/2006/main" xmlns:r="http://schemas.openxmlformats.org/officeDocument/2006/relationships" xmlns:p="http://schemas.openxmlformats.org/presentationml/2006/main">
+  <p:cSld>
+    <p:spTree>
+      <p:nvGrpSpPr>
+        <p:cNvPr id="1" name=""/>
+        <p:cNvGrpSpPr/>
+        <p:nvPr/>
+      </p:nvGrpSpPr>
+      <p:grpSpPr>
+        <a:xfrm>
+          <a:off x="0" y="0"/>
+          <a:ext cx="0" cy="0"/>
+          <a:chOff x="0" y="0"/>
+          <a:chExt cx="0" cy="0"/>
+        </a:xfrm>
+      </p:grpSpPr>
+      <p:sp>
+        <p:nvSpPr>
+          <p:cNvPr id="2" name="Title 1">
+            <a:extLst>
+              <a:ext uri="{FF2B5EF4-FFF2-40B4-BE49-F238E27FC236}">
+                <a16:creationId xmlns:a16="http://schemas.microsoft.com/office/drawing/2014/main" id="{1A31C7C9-F4CD-66FA-37EF-6DE82761B28D}"/>
+              </a:ext>
+            </a:extLst>
+          </p:cNvPr>
+          <p:cNvSpPr>
+            <a:spLocks noGrp="1"/>
+          </p:cNvSpPr>
+          <p:nvPr>
+            <p:ph type="title"/>
+          </p:nvPr>
+        </p:nvSpPr>
+        <p:spPr/>
+        <p:txBody>
+          <a:bodyPr/>
+          <a:lstStyle/>
+          <a:p>
+            <a:r>
+              <a:rPr lang="en-US" dirty="0"/>
+              <a:t>FUTURE WORK</a:t>
+            </a:r>
+            <a:endParaRPr lang="en-150" dirty="0"/>
+          </a:p>
+        </p:txBody>
+      </p:sp>
+      <p:sp>
+        <p:nvSpPr>
+          <p:cNvPr id="3" name="Content Placeholder 2">
+            <a:extLst>
+              <a:ext uri="{FF2B5EF4-FFF2-40B4-BE49-F238E27FC236}">
+                <a16:creationId xmlns:a16="http://schemas.microsoft.com/office/drawing/2014/main" id="{F166A153-F79F-D90C-DDB9-86313C2B9DBE}"/>
+              </a:ext>
+            </a:extLst>
+          </p:cNvPr>
+          <p:cNvSpPr>
+            <a:spLocks noGrp="1"/>
+          </p:cNvSpPr>
+          <p:nvPr>
+            <p:ph idx="1"/>
+          </p:nvPr>
+        </p:nvSpPr>
+        <p:spPr>
+          <a:xfrm>
+            <a:off x="581192" y="2712342"/>
+            <a:ext cx="11029615" cy="3678303"/>
+          </a:xfrm>
+        </p:spPr>
+        <p:txBody>
+          <a:bodyPr>
+            <a:normAutofit fontScale="92500" lnSpcReduction="20000"/>
+          </a:bodyPr>
+          <a:lstStyle/>
+          <a:p>
+            <a:r>
+              <a:rPr lang="ro-RO" sz="3200" dirty="0"/>
+              <a:t>Adaugarea unui CLI pentru a folosi serviciile expuse</a:t>
+            </a:r>
+            <a:endParaRPr lang="en-US" sz="3200" dirty="0"/>
+          </a:p>
+          <a:p>
+            <a:r>
+              <a:rPr lang="en-US" sz="3200" dirty="0" err="1"/>
+              <a:t>Adaugarea</a:t>
+            </a:r>
+            <a:r>
+              <a:rPr lang="en-US" sz="3200" dirty="0"/>
+              <a:t> </a:t>
+            </a:r>
+            <a:r>
+              <a:rPr lang="en-US" sz="3200" dirty="0" err="1"/>
+              <a:t>altor</a:t>
+            </a:r>
+            <a:r>
+              <a:rPr lang="en-US" sz="3200" dirty="0"/>
+              <a:t> Design Patterns</a:t>
+            </a:r>
+          </a:p>
+          <a:p>
+            <a:pPr lvl="1"/>
+            <a:r>
+              <a:rPr lang="en-US" sz="3000" dirty="0"/>
+              <a:t>Factory – </a:t>
+            </a:r>
+            <a:r>
+              <a:rPr lang="en-US" sz="3000" dirty="0" err="1"/>
+              <a:t>creearea</a:t>
+            </a:r>
+            <a:r>
+              <a:rPr lang="en-US" sz="3000" dirty="0"/>
+              <a:t> de </a:t>
+            </a:r>
+            <a:r>
+              <a:rPr lang="en-US" sz="3000" dirty="0" err="1"/>
+              <a:t>obiecte</a:t>
+            </a:r>
+            <a:r>
+              <a:rPr lang="en-US" sz="3000" dirty="0"/>
+              <a:t> smart</a:t>
+            </a:r>
+          </a:p>
+          <a:p>
+            <a:pPr lvl="1"/>
+            <a:r>
+              <a:rPr lang="en-US" sz="3000" dirty="0"/>
+              <a:t>Builder – </a:t>
+            </a:r>
+            <a:r>
+              <a:rPr lang="en-US" sz="3000" dirty="0" err="1"/>
+              <a:t>adaugarea</a:t>
+            </a:r>
+            <a:r>
+              <a:rPr lang="en-US" sz="3000" dirty="0"/>
+              <a:t> </a:t>
+            </a:r>
+            <a:r>
+              <a:rPr lang="en-US" sz="3000" dirty="0" err="1"/>
+              <a:t>obiectelor</a:t>
+            </a:r>
+            <a:r>
+              <a:rPr lang="en-US" sz="3000" dirty="0"/>
+              <a:t> </a:t>
+            </a:r>
+            <a:r>
+              <a:rPr lang="en-US" sz="3000" dirty="0" err="1"/>
+              <a:t>intr</a:t>
+            </a:r>
+            <a:r>
+              <a:rPr lang="en-US" sz="3000" dirty="0"/>
+              <a:t>-o camera </a:t>
+            </a:r>
+          </a:p>
+          <a:p>
+            <a:pPr lvl="1"/>
+            <a:r>
+              <a:rPr lang="en-US" sz="3000" dirty="0"/>
+              <a:t>Prototype – </a:t>
+            </a:r>
+            <a:r>
+              <a:rPr lang="en-US" sz="3000" dirty="0" err="1"/>
+              <a:t>copiere</a:t>
+            </a:r>
+            <a:r>
+              <a:rPr lang="en-US" sz="3000" dirty="0"/>
+              <a:t> de camera/</a:t>
+            </a:r>
+            <a:r>
+              <a:rPr lang="en-US" sz="3000" dirty="0" err="1"/>
+              <a:t>obiecte</a:t>
+            </a:r>
+            <a:endParaRPr lang="en-US" sz="3000" dirty="0"/>
+          </a:p>
+          <a:p>
+            <a:pPr lvl="1"/>
+            <a:r>
+              <a:rPr lang="en-US" sz="3000" dirty="0"/>
+              <a:t>Command – </a:t>
+            </a:r>
+            <a:r>
+              <a:rPr lang="en-US" sz="3000" dirty="0" err="1"/>
+              <a:t>lista</a:t>
+            </a:r>
+            <a:r>
+              <a:rPr lang="en-US" sz="3000" dirty="0"/>
+              <a:t> de </a:t>
+            </a:r>
+            <a:r>
+              <a:rPr lang="en-US" sz="3000" dirty="0" err="1"/>
+              <a:t>operatii</a:t>
+            </a:r>
+            <a:r>
+              <a:rPr lang="en-US" sz="3000" dirty="0"/>
+              <a:t> de undo</a:t>
+            </a:r>
+          </a:p>
+          <a:p>
+            <a:pPr lvl="1"/>
+            <a:r>
+              <a:rPr lang="en-US" sz="3000" dirty="0"/>
+              <a:t>Etc. </a:t>
+            </a:r>
+          </a:p>
+          <a:p>
+            <a:endParaRPr lang="en-US" sz="3200" dirty="0"/>
+          </a:p>
+          <a:p>
+            <a:pPr marL="0" indent="0">
+              <a:buNone/>
+            </a:pPr>
+            <a:endParaRPr lang="en-US" dirty="0"/>
+          </a:p>
+          <a:p>
+            <a:endParaRPr lang="en-150" b="1" dirty="0"/>
+          </a:p>
+        </p:txBody>
+      </p:sp>
+    </p:spTree>
+    <p:extLst>
+      <p:ext uri="{BB962C8B-B14F-4D97-AF65-F5344CB8AC3E}">
+        <p14:creationId xmlns:p14="http://schemas.microsoft.com/office/powerpoint/2010/main" val="2416338392"/>
+      </p:ext>
+    </p:extLst>
+  </p:cSld>
+  <p:clrMapOvr>
+    <a:masterClrMapping/>
+  </p:clrMapOvr>
+</p:sld>
+</file>
+
+<file path=ppt/slides/slide7.xml><?xml version="1.0" encoding="utf-8"?>
 <p:sld xmlns:a="http://schemas.openxmlformats.org/drawingml/2006/main" xmlns:r="http://schemas.openxmlformats.org/officeDocument/2006/relationships" xmlns:p="http://schemas.openxmlformats.org/presentationml/2006/main">
   <p:cSld>
     <p:spTree>

--- a/docs/Milestone 2.pptx
+++ b/docs/Milestone 2.pptx
@@ -4899,7 +4899,7 @@
           <a:p>
             <a:r>
               <a:rPr lang="en-US" dirty="0"/>
-              <a:t>Tudor calin </a:t>
+              <a:t>Tudor-calin </a:t>
             </a:r>
             <a:r>
               <a:rPr lang="en-US" dirty="0" err="1"/>
@@ -4907,7 +4907,15 @@
             </a:r>
             <a:r>
               <a:rPr lang="en-US" dirty="0"/>
-              <a:t>, Stefan </a:t>
+              <a:t>,  </a:t>
+            </a:r>
+            <a:r>
+              <a:rPr lang="en-US" dirty="0" err="1"/>
+              <a:t>Stefan-Alexandru</a:t>
+            </a:r>
+            <a:r>
+              <a:rPr lang="en-US" dirty="0"/>
+              <a:t> </a:t>
             </a:r>
             <a:r>
               <a:rPr lang="en-US" dirty="0" err="1"/>
@@ -5101,23 +5109,17 @@
             </a:r>
             <a:r>
               <a:rPr lang="en-US" sz="4000" dirty="0"/>
-              <a:t> ( </a:t>
-            </a:r>
-            <a:r>
-              <a:rPr lang="en-US" sz="4000" dirty="0" err="1"/>
-              <a:t>ce</a:t>
-            </a:r>
+              <a:t> </a:t>
+            </a:r>
+          </a:p>
+          <a:p>
+            <a:pPr marL="742950" lvl="1" indent="-285750">
+              <a:buFont typeface="Arial" panose="020B0604020202020204" pitchFamily="34" charset="0"/>
+              <a:buChar char="•"/>
+            </a:pPr>
             <a:r>
               <a:rPr lang="en-US" sz="4000" dirty="0"/>
-              <a:t> </a:t>
-            </a:r>
-            <a:r>
-              <a:rPr lang="en-US" sz="4000" dirty="0" err="1"/>
-              <a:t>avem</a:t>
-            </a:r>
-            <a:r>
-              <a:rPr lang="en-US" sz="4000" dirty="0"/>
-              <a:t>: Abstract </a:t>
+              <a:t>Abstract </a:t>
             </a:r>
             <a:r>
               <a:rPr lang="en-US" sz="4000" dirty="0" err="1"/>
@@ -5125,7 +5127,7 @@
             </a:r>
             <a:r>
               <a:rPr lang="en-US" sz="4000" dirty="0"/>
-              <a:t> Introduction)</a:t>
+              <a:t> Introduction</a:t>
             </a:r>
           </a:p>
           <a:p>

--- a/docs/Milestone 2.pptx
+++ b/docs/Milestone 2.pptx
@@ -10,7 +10,7 @@
     <p:sldId id="261" r:id="rId4"/>
     <p:sldId id="258" r:id="rId5"/>
     <p:sldId id="259" r:id="rId6"/>
-    <p:sldId id="262" r:id="rId7"/>
+    <p:sldId id="263" r:id="rId7"/>
     <p:sldId id="260" r:id="rId8"/>
   </p:sldIdLst>
   <p:sldSz cx="12192000" cy="6858000"/>
@@ -184,7 +184,7 @@
               <a:cs typeface="+mn-cs"/>
             </a:defRPr>
           </a:pPr>
-          <a:endParaRPr lang="en-US"/>
+          <a:endParaRPr lang="en-150"/>
         </a:p>
       </c:txPr>
     </c:title>
@@ -465,7 +465,7 @@
                 <a:cs typeface="+mn-cs"/>
               </a:defRPr>
             </a:pPr>
-            <a:endParaRPr lang="en-US"/>
+            <a:endParaRPr lang="en-150"/>
           </a:p>
         </c:txPr>
         <c:crossAx val="1771503471"/>
@@ -510,7 +510,7 @@
                 <a:cs typeface="+mn-cs"/>
               </a:defRPr>
             </a:pPr>
-            <a:endParaRPr lang="en-US"/>
+            <a:endParaRPr lang="en-150"/>
           </a:p>
         </c:txPr>
         <c:crossAx val="1944333727"/>
@@ -560,7 +560,7 @@
               <a:cs typeface="+mn-cs"/>
             </a:defRPr>
           </a:pPr>
-          <a:endParaRPr lang="en-US"/>
+          <a:endParaRPr lang="en-150"/>
         </a:p>
       </c:txPr>
     </c:legend>
@@ -589,7 +589,7 @@
       <a:pPr>
         <a:defRPr/>
       </a:pPr>
-      <a:endParaRPr lang="en-US"/>
+      <a:endParaRPr lang="en-150"/>
     </a:p>
   </c:txPr>
   <c:externalData r:id="rId3">
@@ -1378,7 +1378,7 @@
             <a:fld id="{B61BEF0D-F0BB-DE4B-95CE-6DB70DBA9567}" type="datetimeFigureOut">
               <a:rPr lang="en-US" dirty="0"/>
               <a:pPr/>
-              <a:t>11/20/2023</a:t>
+              <a:t>12/18/2023</a:t>
             </a:fld>
             <a:endParaRPr lang="en-US" dirty="0"/>
           </a:p>
@@ -1637,7 +1637,7 @@
             <a:fld id="{B61BEF0D-F0BB-DE4B-95CE-6DB70DBA9567}" type="datetimeFigureOut">
               <a:rPr lang="en-US" dirty="0"/>
               <a:pPr/>
-              <a:t>11/20/2023</a:t>
+              <a:t>12/18/2023</a:t>
             </a:fld>
             <a:endParaRPr lang="en-US" dirty="0"/>
           </a:p>
@@ -1869,7 +1869,7 @@
             <a:fld id="{B61BEF0D-F0BB-DE4B-95CE-6DB70DBA9567}" type="datetimeFigureOut">
               <a:rPr lang="en-US" dirty="0"/>
               <a:pPr/>
-              <a:t>11/20/2023</a:t>
+              <a:t>12/18/2023</a:t>
             </a:fld>
             <a:endParaRPr lang="en-US" dirty="0"/>
           </a:p>
@@ -2106,7 +2106,7 @@
             <a:fld id="{B61BEF0D-F0BB-DE4B-95CE-6DB70DBA9567}" type="datetimeFigureOut">
               <a:rPr lang="en-US" dirty="0"/>
               <a:pPr/>
-              <a:t>11/20/2023</a:t>
+              <a:t>12/18/2023</a:t>
             </a:fld>
             <a:endParaRPr lang="en-US" dirty="0"/>
           </a:p>
@@ -2410,7 +2410,7 @@
             <a:fld id="{B61BEF0D-F0BB-DE4B-95CE-6DB70DBA9567}" type="datetimeFigureOut">
               <a:rPr lang="en-US" dirty="0"/>
               <a:pPr/>
-              <a:t>11/20/2023</a:t>
+              <a:t>12/18/2023</a:t>
             </a:fld>
             <a:endParaRPr lang="en-US" dirty="0"/>
           </a:p>
@@ -2709,7 +2709,7 @@
             <a:fld id="{B61BEF0D-F0BB-DE4B-95CE-6DB70DBA9567}" type="datetimeFigureOut">
               <a:rPr lang="en-US" dirty="0"/>
               <a:pPr/>
-              <a:t>11/20/2023</a:t>
+              <a:t>12/18/2023</a:t>
             </a:fld>
             <a:endParaRPr lang="en-US" dirty="0"/>
           </a:p>
@@ -3128,7 +3128,7 @@
             <a:fld id="{B61BEF0D-F0BB-DE4B-95CE-6DB70DBA9567}" type="datetimeFigureOut">
               <a:rPr lang="en-US" dirty="0"/>
               <a:pPr/>
-              <a:t>11/20/2023</a:t>
+              <a:t>12/18/2023</a:t>
             </a:fld>
             <a:endParaRPr lang="en-US" dirty="0"/>
           </a:p>
@@ -3287,7 +3287,7 @@
             <a:fld id="{B61BEF0D-F0BB-DE4B-95CE-6DB70DBA9567}" type="datetimeFigureOut">
               <a:rPr lang="en-US" dirty="0"/>
               <a:pPr/>
-              <a:t>11/20/2023</a:t>
+              <a:t>12/18/2023</a:t>
             </a:fld>
             <a:endParaRPr lang="en-US" dirty="0"/>
           </a:p>
@@ -3379,7 +3379,7 @@
             <a:fld id="{B61BEF0D-F0BB-DE4B-95CE-6DB70DBA9567}" type="datetimeFigureOut">
               <a:rPr lang="en-US" dirty="0"/>
               <a:pPr/>
-              <a:t>11/20/2023</a:t>
+              <a:t>12/18/2023</a:t>
             </a:fld>
             <a:endParaRPr lang="en-US" dirty="0"/>
           </a:p>
@@ -3754,7 +3754,7 @@
             <a:fld id="{B61BEF0D-F0BB-DE4B-95CE-6DB70DBA9567}" type="datetimeFigureOut">
               <a:rPr lang="en-US" dirty="0"/>
               <a:pPr/>
-              <a:t>11/20/2023</a:t>
+              <a:t>12/18/2023</a:t>
             </a:fld>
             <a:endParaRPr lang="en-US" dirty="0"/>
           </a:p>
@@ -4040,7 +4040,7 @@
             <a:fld id="{B61BEF0D-F0BB-DE4B-95CE-6DB70DBA9567}" type="datetimeFigureOut">
               <a:rPr lang="en-US" dirty="0"/>
               <a:pPr/>
-              <a:t>11/20/2023</a:t>
+              <a:t>12/18/2023</a:t>
             </a:fld>
             <a:endParaRPr lang="en-US" dirty="0"/>
           </a:p>
@@ -4248,7 +4248,7 @@
             <a:fld id="{B61BEF0D-F0BB-DE4B-95CE-6DB70DBA9567}" type="datetimeFigureOut">
               <a:rPr lang="en-US" dirty="0"/>
               <a:pPr/>
-              <a:t>11/20/2023</a:t>
+              <a:t>12/18/2023</a:t>
             </a:fld>
             <a:endParaRPr lang="en-US" dirty="0"/>
           </a:p>
@@ -4870,7 +4870,7 @@
           <a:p>
             <a:r>
               <a:rPr lang="en-US" sz="6000" dirty="0"/>
-              <a:t>Milestone 2</a:t>
+              <a:t>Milestone 3</a:t>
             </a:r>
             <a:endParaRPr lang="en-150" sz="6000" dirty="0"/>
           </a:p>
@@ -5062,7 +5062,7 @@
         <p:spPr>
           <a:xfrm>
             <a:off x="436227" y="1870745"/>
-            <a:ext cx="11568419" cy="4216539"/>
+            <a:ext cx="11568419" cy="4832092"/>
           </a:xfrm>
           <a:prstGeom prst="rect">
             <a:avLst/>
@@ -5119,15 +5119,15 @@
             </a:pPr>
             <a:r>
               <a:rPr lang="en-US" sz="4000" dirty="0"/>
-              <a:t>Abstract </a:t>
+              <a:t>Abstract + Introduction + Related Work + </a:t>
             </a:r>
             <a:r>
               <a:rPr lang="en-US" sz="4000" dirty="0" err="1"/>
-              <a:t>si</a:t>
+              <a:t>Arhitecture</a:t>
             </a:r>
             <a:r>
               <a:rPr lang="en-US" sz="4000" dirty="0"/>
-              <a:t> Introduction</a:t>
+              <a:t> + Design Patterns</a:t>
             </a:r>
           </a:p>
           <a:p>
@@ -5167,7 +5167,7 @@
             </a:pPr>
             <a:r>
               <a:rPr lang="en-US" sz="4000" dirty="0"/>
-              <a:t>DP: Singleton, Observer</a:t>
+              <a:t>DP: Singleton, Observer, Builder, Factory, Strategy</a:t>
             </a:r>
           </a:p>
           <a:p>
@@ -5259,12 +5259,60 @@
           <a:chExt cx="0" cy="0"/>
         </a:xfrm>
       </p:grpSpPr>
+      <p:sp>
+        <p:nvSpPr>
+          <p:cNvPr id="4" name="TextBox 3">
+            <a:extLst>
+              <a:ext uri="{FF2B5EF4-FFF2-40B4-BE49-F238E27FC236}">
+                <a16:creationId xmlns:a16="http://schemas.microsoft.com/office/drawing/2014/main" id="{3D02D233-F8F7-F537-3346-DC724BE3D6F1}"/>
+              </a:ext>
+            </a:extLst>
+          </p:cNvPr>
+          <p:cNvSpPr txBox="1"/>
+          <p:nvPr/>
+        </p:nvSpPr>
+        <p:spPr>
+          <a:xfrm>
+            <a:off x="436227" y="813732"/>
+            <a:ext cx="11501307" cy="707886"/>
+          </a:xfrm>
+          <a:prstGeom prst="rect">
+            <a:avLst/>
+          </a:prstGeom>
+          <a:noFill/>
+        </p:spPr>
+        <p:txBody>
+          <a:bodyPr wrap="square" rtlCol="0">
+            <a:spAutoFit/>
+          </a:bodyPr>
+          <a:lstStyle/>
+          <a:p>
+            <a:pPr marL="285750" indent="-285750">
+              <a:buFont typeface="Arial" panose="020B0604020202020204" pitchFamily="34" charset="0"/>
+              <a:buChar char="•"/>
+            </a:pPr>
+            <a:r>
+              <a:rPr lang="en-US" sz="4000" dirty="0" err="1"/>
+              <a:t>Arhitectura</a:t>
+            </a:r>
+            <a:r>
+              <a:rPr lang="en-US" sz="4000" dirty="0"/>
+              <a:t> </a:t>
+            </a:r>
+            <a:r>
+              <a:rPr lang="en-US" sz="4000" dirty="0" err="1"/>
+              <a:t>aplicatiei</a:t>
+            </a:r>
+            <a:endParaRPr lang="en-US" sz="4000" dirty="0"/>
+          </a:p>
+        </p:txBody>
+      </p:sp>
       <p:pic>
         <p:nvPicPr>
-          <p:cNvPr id="6" name="Picture 5" descr="A screenshot of a computer&#10;&#10;Description automatically generated">
+          <p:cNvPr id="3" name="Picture 2">
             <a:extLst>
               <a:ext uri="{FF2B5EF4-FFF2-40B4-BE49-F238E27FC236}">
-                <a16:creationId xmlns:a16="http://schemas.microsoft.com/office/drawing/2014/main" id="{3AB85B1D-03E8-48F1-65F7-06DC090CCDAA}"/>
+                <a16:creationId xmlns:a16="http://schemas.microsoft.com/office/drawing/2014/main" id="{8A653A3D-9BAA-5D15-FF69-A99DE70BDEB3}"/>
               </a:ext>
             </a:extLst>
           </p:cNvPr>
@@ -5281,62 +5329,26 @@
         </p:blipFill>
         <p:spPr>
           <a:xfrm>
-            <a:off x="2386083" y="1521618"/>
-            <a:ext cx="7419834" cy="4754664"/>
+            <a:off x="2635101" y="1794368"/>
+            <a:ext cx="7206082" cy="4748475"/>
           </a:xfrm>
           <a:prstGeom prst="rect">
             <a:avLst/>
           </a:prstGeom>
+          <a:ln w="228600" cap="sq" cmpd="thickThin">
+            <a:solidFill>
+              <a:srgbClr val="000000"/>
+            </a:solidFill>
+            <a:prstDash val="solid"/>
+            <a:miter lim="800000"/>
+          </a:ln>
+          <a:effectLst>
+            <a:innerShdw blurRad="76200">
+              <a:srgbClr val="000000"/>
+            </a:innerShdw>
+          </a:effectLst>
         </p:spPr>
       </p:pic>
-      <p:sp>
-        <p:nvSpPr>
-          <p:cNvPr id="4" name="TextBox 3">
-            <a:extLst>
-              <a:ext uri="{FF2B5EF4-FFF2-40B4-BE49-F238E27FC236}">
-                <a16:creationId xmlns:a16="http://schemas.microsoft.com/office/drawing/2014/main" id="{3D02D233-F8F7-F537-3346-DC724BE3D6F1}"/>
-              </a:ext>
-            </a:extLst>
-          </p:cNvPr>
-          <p:cNvSpPr txBox="1"/>
-          <p:nvPr/>
-        </p:nvSpPr>
-        <p:spPr>
-          <a:xfrm>
-            <a:off x="436227" y="813732"/>
-            <a:ext cx="11501307" cy="707886"/>
-          </a:xfrm>
-          <a:prstGeom prst="rect">
-            <a:avLst/>
-          </a:prstGeom>
-          <a:noFill/>
-        </p:spPr>
-        <p:txBody>
-          <a:bodyPr wrap="square" rtlCol="0">
-            <a:spAutoFit/>
-          </a:bodyPr>
-          <a:lstStyle/>
-          <a:p>
-            <a:pPr marL="285750" indent="-285750">
-              <a:buFont typeface="Arial" panose="020B0604020202020204" pitchFamily="34" charset="0"/>
-              <a:buChar char="•"/>
-            </a:pPr>
-            <a:r>
-              <a:rPr lang="en-US" sz="4000" dirty="0" err="1"/>
-              <a:t>Arhitectura</a:t>
-            </a:r>
-            <a:r>
-              <a:rPr lang="en-US" sz="4000" dirty="0"/>
-              <a:t> </a:t>
-            </a:r>
-            <a:r>
-              <a:rPr lang="en-US" sz="4000" dirty="0" err="1"/>
-              <a:t>aplicatiei</a:t>
-            </a:r>
-            <a:endParaRPr lang="en-US" sz="4000" dirty="0"/>
-          </a:p>
-        </p:txBody>
-      </p:sp>
     </p:spTree>
     <p:extLst>
       <p:ext uri="{BB962C8B-B14F-4D97-AF65-F5344CB8AC3E}">
@@ -5504,8 +5516,8 @@
         </p:nvSpPr>
         <p:spPr>
           <a:xfrm>
-            <a:off x="581193" y="2385770"/>
-            <a:ext cx="11029615" cy="3678303"/>
+            <a:off x="581193" y="1873188"/>
+            <a:ext cx="11029615" cy="4793942"/>
           </a:xfrm>
         </p:spPr>
         <p:txBody>
@@ -5538,7 +5550,7 @@
             </a:r>
             <a:r>
               <a:rPr lang="en-US" sz="3200" dirty="0"/>
-              <a:t> milestone, </a:t>
+              <a:t> milestone </a:t>
             </a:r>
             <a:r>
               <a:rPr lang="en-US" sz="3200" dirty="0" err="1"/>
@@ -5550,7 +5562,7 @@
             </a:r>
             <a:r>
               <a:rPr lang="en-US" sz="3200" dirty="0" err="1"/>
-              <a:t>aducem</a:t>
+              <a:t>terminam</a:t>
             </a:r>
             <a:r>
               <a:rPr lang="en-US" sz="3200" dirty="0"/>
@@ -5558,27 +5570,7 @@
             </a:r>
             <a:r>
               <a:rPr lang="en-US" sz="3200" dirty="0" err="1"/>
-              <a:t>pana</a:t>
-            </a:r>
-            <a:r>
-              <a:rPr lang="en-US" sz="3200" dirty="0"/>
-              <a:t> la minim </a:t>
-            </a:r>
-            <a:r>
-              <a:rPr lang="en-US" sz="3200" b="1" dirty="0"/>
-              <a:t>50% </a:t>
-            </a:r>
-            <a:r>
-              <a:rPr lang="en-US" sz="3200" b="1" dirty="0" err="1"/>
-              <a:t>progresul</a:t>
-            </a:r>
-            <a:r>
-              <a:rPr lang="en-US" sz="3200" b="1" dirty="0"/>
-              <a:t> </a:t>
-            </a:r>
-            <a:r>
-              <a:rPr lang="en-US" sz="3200" dirty="0" err="1"/>
-              <a:t>articolului</a:t>
+              <a:t>articolul</a:t>
             </a:r>
             <a:r>
               <a:rPr lang="en-US" sz="3200" dirty="0"/>
@@ -5590,16 +5582,42 @@
             </a:r>
             <a:r>
               <a:rPr lang="en-US" sz="3200" dirty="0"/>
+              <a:t>. </a:t>
+            </a:r>
+          </a:p>
+          <a:p>
+            <a:r>
+              <a:rPr lang="en-US" sz="3200" dirty="0" err="1"/>
+              <a:t>Imbunatatirea</a:t>
+            </a:r>
+            <a:r>
+              <a:rPr lang="en-US" sz="3200" dirty="0"/>
+              <a:t> CLI </a:t>
+            </a:r>
+            <a:r>
+              <a:rPr lang="en-US" sz="3200" dirty="0" err="1"/>
+              <a:t>pentru</a:t>
+            </a:r>
+            <a:r>
+              <a:rPr lang="en-US" sz="3200" dirty="0"/>
+              <a:t> </a:t>
+            </a:r>
+            <a:r>
+              <a:rPr lang="en-US" sz="3200" dirty="0" err="1"/>
+              <a:t>programul</a:t>
+            </a:r>
+            <a:r>
+              <a:rPr lang="en-US" sz="3200" dirty="0"/>
+              <a:t> </a:t>
+            </a:r>
+            <a:r>
+              <a:rPr lang="en-US" sz="3200" dirty="0" err="1"/>
+              <a:t>nostru</a:t>
+            </a:r>
+            <a:r>
+              <a:rPr lang="en-US" sz="3200" dirty="0"/>
               <a:t>.</a:t>
             </a:r>
-            <a:endParaRPr lang="ro-RO" sz="3200" dirty="0"/>
-          </a:p>
-          <a:p>
-            <a:r>
-              <a:rPr lang="ro-RO" sz="3200" dirty="0"/>
-              <a:t>Adaugarea unui CLI pentru a folosi serviciile expuse</a:t>
-            </a:r>
-            <a:endParaRPr lang="en-US" sz="3200" dirty="0"/>
           </a:p>
           <a:p>
             <a:r>
@@ -5714,7 +5732,59 @@
             </a:r>
             <a:r>
               <a:rPr lang="en-US" sz="3200" dirty="0"/>
-              <a:t> existent</a:t>
+              <a:t> existent </a:t>
+            </a:r>
+            <a:r>
+              <a:rPr lang="en-US" sz="3200" dirty="0" err="1"/>
+              <a:t>si</a:t>
+            </a:r>
+            <a:r>
+              <a:rPr lang="en-US" sz="3200" dirty="0"/>
+              <a:t> </a:t>
+            </a:r>
+            <a:r>
+              <a:rPr lang="en-US" sz="3200" dirty="0" err="1"/>
+              <a:t>explorarea</a:t>
+            </a:r>
+            <a:r>
+              <a:rPr lang="en-US" sz="3200" dirty="0"/>
+              <a:t> de </a:t>
+            </a:r>
+            <a:r>
+              <a:rPr lang="en-US" sz="3200" dirty="0" err="1"/>
+              <a:t>noi</a:t>
+            </a:r>
+            <a:r>
+              <a:rPr lang="en-US" sz="3200" dirty="0"/>
+              <a:t> design patterns </a:t>
+            </a:r>
+            <a:r>
+              <a:rPr lang="en-US" sz="3200" dirty="0" err="1"/>
+              <a:t>pentru</a:t>
+            </a:r>
+            <a:r>
+              <a:rPr lang="en-US" sz="3200" dirty="0"/>
+              <a:t> </a:t>
+            </a:r>
+            <a:r>
+              <a:rPr lang="en-US" sz="3200" dirty="0" err="1"/>
+              <a:t>optimizarea</a:t>
+            </a:r>
+            <a:r>
+              <a:rPr lang="en-US" sz="3200" dirty="0"/>
+              <a:t> </a:t>
+            </a:r>
+            <a:r>
+              <a:rPr lang="en-US" sz="3200" dirty="0" err="1"/>
+              <a:t>softwareului</a:t>
+            </a:r>
+            <a:r>
+              <a:rPr lang="en-US" sz="3200" dirty="0"/>
+              <a:t> </a:t>
+            </a:r>
+            <a:r>
+              <a:rPr lang="en-US" sz="3200" dirty="0" err="1"/>
+              <a:t>curent</a:t>
             </a:r>
             <a:endParaRPr lang="en-US" sz="3200" b="1" dirty="0"/>
           </a:p>
@@ -5761,7 +5831,7 @@
           <p:cNvPr id="2" name="Title 1">
             <a:extLst>
               <a:ext uri="{FF2B5EF4-FFF2-40B4-BE49-F238E27FC236}">
-                <a16:creationId xmlns:a16="http://schemas.microsoft.com/office/drawing/2014/main" id="{1A31C7C9-F4CD-66FA-37EF-6DE82761B28D}"/>
+                <a16:creationId xmlns:a16="http://schemas.microsoft.com/office/drawing/2014/main" id="{5D5C99BB-F5D2-E6B7-2A88-29F9CFCDA7BC}"/>
               </a:ext>
             </a:extLst>
           </p:cNvPr>
@@ -5779,7 +5849,7 @@
           <a:p>
             <a:r>
               <a:rPr lang="en-US" dirty="0"/>
-              <a:t>FUTURE WORK</a:t>
+              <a:t>DEMO</a:t>
             </a:r>
             <a:endParaRPr lang="en-150" dirty="0"/>
           </a:p>
@@ -5790,7 +5860,7 @@
           <p:cNvPr id="3" name="Content Placeholder 2">
             <a:extLst>
               <a:ext uri="{FF2B5EF4-FFF2-40B4-BE49-F238E27FC236}">
-                <a16:creationId xmlns:a16="http://schemas.microsoft.com/office/drawing/2014/main" id="{F166A153-F79F-D90C-DDB9-86313C2B9DBE}"/>
+                <a16:creationId xmlns:a16="http://schemas.microsoft.com/office/drawing/2014/main" id="{7262F20F-9CAD-ACE9-665F-80ABABB63ADC}"/>
               </a:ext>
             </a:extLst>
           </p:cNvPr>
@@ -5801,164 +5871,32 @@
             <p:ph idx="1"/>
           </p:nvPr>
         </p:nvSpPr>
-        <p:spPr>
-          <a:xfrm>
-            <a:off x="581192" y="2712342"/>
-            <a:ext cx="11029615" cy="3678303"/>
-          </a:xfrm>
-        </p:spPr>
+        <p:spPr/>
         <p:txBody>
           <a:bodyPr>
-            <a:normAutofit fontScale="92500" lnSpcReduction="20000"/>
+            <a:normAutofit/>
           </a:bodyPr>
           <a:lstStyle/>
           <a:p>
-            <a:r>
-              <a:rPr lang="ro-RO" sz="3200" dirty="0"/>
-              <a:t>Adaugarea unui CLI pentru a folosi serviciile expuse</a:t>
-            </a:r>
-            <a:endParaRPr lang="en-US" sz="3200" dirty="0"/>
-          </a:p>
-          <a:p>
-            <a:r>
-              <a:rPr lang="en-US" sz="3200" dirty="0" err="1"/>
-              <a:t>Adaugarea</a:t>
-            </a:r>
-            <a:r>
-              <a:rPr lang="en-US" sz="3200" dirty="0"/>
-              <a:t> </a:t>
-            </a:r>
-            <a:r>
-              <a:rPr lang="en-US" sz="3200" dirty="0" err="1"/>
-              <a:t>altor</a:t>
-            </a:r>
-            <a:r>
-              <a:rPr lang="en-US" sz="3200" dirty="0"/>
-              <a:t> Design Patterns</a:t>
-            </a:r>
-          </a:p>
-          <a:p>
-            <a:pPr lvl="1"/>
-            <a:r>
-              <a:rPr lang="en-US" sz="3000" dirty="0"/>
-              <a:t>Factory – </a:t>
-            </a:r>
-            <a:r>
-              <a:rPr lang="en-US" sz="3000" dirty="0" err="1"/>
-              <a:t>creearea</a:t>
-            </a:r>
-            <a:r>
-              <a:rPr lang="en-US" sz="3000" dirty="0"/>
-              <a:t> de </a:t>
-            </a:r>
-            <a:r>
-              <a:rPr lang="en-US" sz="3000" dirty="0" err="1"/>
-              <a:t>obiecte</a:t>
-            </a:r>
-            <a:r>
-              <a:rPr lang="en-US" sz="3000" dirty="0"/>
-              <a:t> smart</a:t>
-            </a:r>
-          </a:p>
-          <a:p>
-            <a:pPr lvl="1"/>
-            <a:r>
-              <a:rPr lang="en-US" sz="3000" dirty="0"/>
-              <a:t>Builder – </a:t>
-            </a:r>
-            <a:r>
-              <a:rPr lang="en-US" sz="3000" dirty="0" err="1"/>
-              <a:t>adaugarea</a:t>
-            </a:r>
-            <a:r>
-              <a:rPr lang="en-US" sz="3000" dirty="0"/>
-              <a:t> </a:t>
-            </a:r>
-            <a:r>
-              <a:rPr lang="en-US" sz="3000" dirty="0" err="1"/>
-              <a:t>obiectelor</a:t>
-            </a:r>
-            <a:r>
-              <a:rPr lang="en-US" sz="3000" dirty="0"/>
-              <a:t> </a:t>
-            </a:r>
-            <a:r>
-              <a:rPr lang="en-US" sz="3000" dirty="0" err="1"/>
-              <a:t>intr</a:t>
-            </a:r>
-            <a:r>
-              <a:rPr lang="en-US" sz="3000" dirty="0"/>
-              <a:t>-o camera </a:t>
-            </a:r>
-          </a:p>
-          <a:p>
-            <a:pPr lvl="1"/>
-            <a:r>
-              <a:rPr lang="en-US" sz="3000" dirty="0"/>
-              <a:t>Prototype – </a:t>
-            </a:r>
-            <a:r>
-              <a:rPr lang="en-US" sz="3000" dirty="0" err="1"/>
-              <a:t>copiere</a:t>
-            </a:r>
-            <a:r>
-              <a:rPr lang="en-US" sz="3000" dirty="0"/>
-              <a:t> de camera/</a:t>
-            </a:r>
-            <a:r>
-              <a:rPr lang="en-US" sz="3000" dirty="0" err="1"/>
-              <a:t>obiecte</a:t>
-            </a:r>
-            <a:endParaRPr lang="en-US" sz="3000" dirty="0"/>
-          </a:p>
-          <a:p>
-            <a:pPr lvl="1"/>
-            <a:r>
-              <a:rPr lang="en-US" sz="3000" dirty="0"/>
-              <a:t>Command – </a:t>
-            </a:r>
-            <a:r>
-              <a:rPr lang="en-US" sz="3000" dirty="0" err="1"/>
-              <a:t>lista</a:t>
-            </a:r>
-            <a:r>
-              <a:rPr lang="en-US" sz="3000" dirty="0"/>
-              <a:t> de </a:t>
-            </a:r>
-            <a:r>
-              <a:rPr lang="en-US" sz="3000" dirty="0" err="1"/>
-              <a:t>operatii</a:t>
-            </a:r>
-            <a:r>
-              <a:rPr lang="en-US" sz="3000" dirty="0"/>
-              <a:t> de undo</a:t>
-            </a:r>
-          </a:p>
-          <a:p>
-            <a:pPr lvl="1"/>
-            <a:r>
-              <a:rPr lang="en-US" sz="3000" dirty="0"/>
-              <a:t>Etc. </a:t>
-            </a:r>
-          </a:p>
-          <a:p>
-            <a:endParaRPr lang="en-US" sz="3200" dirty="0"/>
-          </a:p>
-          <a:p>
-            <a:pPr marL="0" indent="0">
+            <a:pPr marL="0" indent="0" algn="ctr">
               <a:buNone/>
             </a:pPr>
-            <a:endParaRPr lang="en-US" dirty="0"/>
-          </a:p>
-          <a:p>
-            <a:endParaRPr lang="en-150" b="1" dirty="0"/>
+            <a:r>
+              <a:rPr lang="en-US" sz="6000" dirty="0">
+                <a:latin typeface="Arial Black" panose="020B0A04020102020204" pitchFamily="34" charset="0"/>
+              </a:rPr>
+              <a:t>DEMO</a:t>
+            </a:r>
+            <a:endParaRPr lang="en-150" sz="6000" dirty="0">
+              <a:latin typeface="Arial Black" panose="020B0A04020102020204" pitchFamily="34" charset="0"/>
+            </a:endParaRPr>
           </a:p>
         </p:txBody>
       </p:sp>
     </p:spTree>
     <p:extLst>
       <p:ext uri="{BB962C8B-B14F-4D97-AF65-F5344CB8AC3E}">
-        <p14:creationId xmlns:p14="http://schemas.microsoft.com/office/powerpoint/2010/main" val="2416338392"/>
+        <p14:creationId xmlns:p14="http://schemas.microsoft.com/office/powerpoint/2010/main" val="2638958970"/>
       </p:ext>
     </p:extLst>
   </p:cSld>
